--- a/The Benefits of ADO.pptx
+++ b/The Benefits of ADO.pptx
@@ -227,7 +227,7 @@
           <a:p>
             <a:fld id="{59088EAF-6ECA-4616-85EF-35AA19C641F3}" type="datetimeFigureOut">
               <a:rPr lang="en-US"/>
-              <a:t>11/2/2015</a:t>
+              <a:t>11/3/2015</a:t>
             </a:fld>
             <a:endParaRPr/>
           </a:p>
@@ -392,7 +392,7 @@
           <a:p>
             <a:fld id="{3ABD2D7A-D230-4F91-BD59-0A39C2703BA8}" type="datetimeFigureOut">
               <a:rPr lang="en-US"/>
-              <a:t>11/2/2015</a:t>
+              <a:t>11/3/2015</a:t>
             </a:fld>
             <a:endParaRPr/>
           </a:p>
@@ -994,7 +994,7 @@
           <a:p>
             <a:fld id="{03F41C87-7AD9-4845-A077-840E4A0F3F06}" type="datetimeFigureOut">
               <a:rPr lang="en-US"/>
-              <a:t>11/2/2015</a:t>
+              <a:t>11/3/2015</a:t>
             </a:fld>
             <a:endParaRPr/>
           </a:p>
@@ -1193,7 +1193,7 @@
           <a:p>
             <a:fld id="{03F41C87-7AD9-4845-A077-840E4A0F3F06}" type="datetimeFigureOut">
               <a:rPr lang="en-US"/>
-              <a:t>11/2/2015</a:t>
+              <a:t>11/3/2015</a:t>
             </a:fld>
             <a:endParaRPr/>
           </a:p>
@@ -1389,7 +1389,7 @@
           <a:p>
             <a:fld id="{03F41C87-7AD9-4845-A077-840E4A0F3F06}" type="datetimeFigureOut">
               <a:rPr lang="en-US"/>
-              <a:t>11/2/2015</a:t>
+              <a:t>11/3/2015</a:t>
             </a:fld>
             <a:endParaRPr/>
           </a:p>
@@ -1676,7 +1676,7 @@
           <a:p>
             <a:fld id="{03F41C87-7AD9-4845-A077-840E4A0F3F06}" type="datetimeFigureOut">
               <a:rPr lang="en-US"/>
-              <a:t>11/2/2015</a:t>
+              <a:t>11/3/2015</a:t>
             </a:fld>
             <a:endParaRPr/>
           </a:p>
@@ -1987,7 +1987,7 @@
           <a:p>
             <a:fld id="{03F41C87-7AD9-4845-A077-840E4A0F3F06}" type="datetimeFigureOut">
               <a:rPr lang="en-US"/>
-              <a:t>11/2/2015</a:t>
+              <a:t>11/3/2015</a:t>
             </a:fld>
             <a:endParaRPr/>
           </a:p>
@@ -2450,7 +2450,7 @@
           <a:p>
             <a:fld id="{03F41C87-7AD9-4845-A077-840E4A0F3F06}" type="datetimeFigureOut">
               <a:rPr lang="en-US"/>
-              <a:t>11/2/2015</a:t>
+              <a:t>11/3/2015</a:t>
             </a:fld>
             <a:endParaRPr/>
           </a:p>
@@ -2587,7 +2587,7 @@
           <a:p>
             <a:fld id="{03F41C87-7AD9-4845-A077-840E4A0F3F06}" type="datetimeFigureOut">
               <a:rPr lang="en-US"/>
-              <a:t>11/2/2015</a:t>
+              <a:t>11/3/2015</a:t>
             </a:fld>
             <a:endParaRPr/>
           </a:p>
@@ -2709,7 +2709,7 @@
           <a:p>
             <a:fld id="{03F41C87-7AD9-4845-A077-840E4A0F3F06}" type="datetimeFigureOut">
               <a:rPr lang="en-US"/>
-              <a:t>11/2/2015</a:t>
+              <a:t>11/3/2015</a:t>
             </a:fld>
             <a:endParaRPr/>
           </a:p>
@@ -3038,7 +3038,7 @@
           <a:p>
             <a:fld id="{03F41C87-7AD9-4845-A077-840E4A0F3F06}" type="datetimeFigureOut">
               <a:rPr lang="en-US"/>
-              <a:t>11/2/2015</a:t>
+              <a:t>11/3/2015</a:t>
             </a:fld>
             <a:endParaRPr/>
           </a:p>
@@ -3357,7 +3357,7 @@
             <a:fld id="{03F41C87-7AD9-4845-A077-840E4A0F3F06}" type="datetimeFigureOut">
               <a:rPr lang="en-US"/>
               <a:pPr/>
-              <a:t>11/2/2015</a:t>
+              <a:t>11/3/2015</a:t>
             </a:fld>
             <a:endParaRPr/>
           </a:p>
@@ -3600,7 +3600,7 @@
             <a:fld id="{03F41C87-7AD9-4845-A077-840E4A0F3F06}" type="datetimeFigureOut">
               <a:rPr lang="en-US"/>
               <a:pPr/>
-              <a:t>11/2/2015</a:t>
+              <a:t>11/3/2015</a:t>
             </a:fld>
             <a:endParaRPr/>
           </a:p>
@@ -4214,11 +4214,15 @@
             </a:r>
             <a:r>
               <a:rPr lang="en-US" dirty="0" err="1" smtClean="0"/>
-              <a:t>Northwinds</a:t>
+              <a:t>Northwind</a:t>
             </a:r>
             <a:r>
               <a:rPr lang="en-US" dirty="0" smtClean="0"/>
-              <a:t> Database</a:t>
+              <a:t> </a:t>
+            </a:r>
+            <a:r>
+              <a:rPr lang="en-US" dirty="0" smtClean="0"/>
+              <a:t>Database</a:t>
             </a:r>
             <a:endParaRPr lang="en-US" dirty="0"/>
           </a:p>
@@ -4385,13 +4389,13 @@
   <p:clrMapOvr>
     <a:masterClrMapping/>
   </p:clrMapOvr>
-  <mc:AlternateContent xmlns:mc="http://schemas.openxmlformats.org/markup-compatibility/2006">
-    <mc:Choice xmlns:p14="http://schemas.microsoft.com/office/powerpoint/2010/main" Requires="p14">
+  <mc:AlternateContent xmlns:mc="http://schemas.openxmlformats.org/markup-compatibility/2006" xmlns:p14="http://schemas.microsoft.com/office/powerpoint/2010/main">
+    <mc:Choice Requires="p14">
       <p:transition spd="med" p14:dur="700">
         <p:fade/>
       </p:transition>
     </mc:Choice>
-    <mc:Fallback>
+    <mc:Fallback xmlns="">
       <p:transition spd="med">
         <p:fade/>
       </p:transition>
@@ -4457,25 +4461,36 @@
           <a:p>
             <a:r>
               <a:rPr lang="en-US" dirty="0" smtClean="0"/>
-              <a:t>What is ADO.NET?</a:t>
+              <a:t>What </a:t>
+            </a:r>
+            <a:r>
+              <a:rPr lang="en-US" dirty="0" smtClean="0"/>
+              <a:t>is ADO.NET?</a:t>
+            </a:r>
+          </a:p>
+          <a:p>
+            <a:r>
+              <a:rPr lang="en-US" dirty="0" smtClean="0"/>
+              <a:t>ADO.NET Architecture</a:t>
             </a:r>
             <a:endParaRPr lang="en-US" dirty="0" smtClean="0"/>
           </a:p>
           <a:p>
             <a:r>
               <a:rPr lang="en-US" dirty="0" smtClean="0"/>
-              <a:t>Add your second bullet point here</a:t>
+              <a:t>Advantages of ADO.NET</a:t>
             </a:r>
           </a:p>
           <a:p>
             <a:r>
               <a:rPr lang="en-US" dirty="0" smtClean="0"/>
-              <a:t>Add your third bullet point </a:t>
-            </a:r>
-            <a:r>
-              <a:rPr lang="en-US" dirty="0" smtClean="0"/>
-              <a:t>here</a:t>
-            </a:r>
+              <a:t>Steps for Reading </a:t>
+            </a:r>
+            <a:r>
+              <a:rPr lang="en-US" dirty="0"/>
+              <a:t>Data From a SQL Server Database</a:t>
+            </a:r>
+            <a:endParaRPr lang="en-US" dirty="0" smtClean="0"/>
           </a:p>
           <a:p>
             <a:r>
@@ -4645,13 +4660,13 @@
   <p:clrMapOvr>
     <a:masterClrMapping/>
   </p:clrMapOvr>
-  <mc:AlternateContent xmlns:mc="http://schemas.openxmlformats.org/markup-compatibility/2006">
-    <mc:Choice xmlns:p14="http://schemas.microsoft.com/office/powerpoint/2010/main" Requires="p14">
+  <mc:AlternateContent xmlns:mc="http://schemas.openxmlformats.org/markup-compatibility/2006" xmlns:p14="http://schemas.microsoft.com/office/powerpoint/2010/main">
+    <mc:Choice Requires="p14">
       <p:transition spd="med" p14:dur="700">
         <p:fade/>
       </p:transition>
     </mc:Choice>
-    <mc:Fallback>
+    <mc:Fallback xmlns="">
       <p:transition spd="med">
         <p:fade/>
       </p:transition>
@@ -4759,13 +4774,13 @@
   <p:clrMapOvr>
     <a:masterClrMapping/>
   </p:clrMapOvr>
-  <mc:AlternateContent xmlns:mc="http://schemas.openxmlformats.org/markup-compatibility/2006">
-    <mc:Choice xmlns:p14="http://schemas.microsoft.com/office/powerpoint/2010/main" Requires="p14">
+  <mc:AlternateContent xmlns:mc="http://schemas.openxmlformats.org/markup-compatibility/2006" xmlns:p14="http://schemas.microsoft.com/office/powerpoint/2010/main">
+    <mc:Choice Requires="p14">
       <p:transition spd="med" p14:dur="700">
         <p:fade/>
       </p:transition>
     </mc:Choice>
-    <mc:Fallback>
+    <mc:Fallback xmlns="">
       <p:transition spd="med">
         <p:fade/>
       </p:transition>
@@ -4833,8 +4848,8 @@
         </p:nvSpPr>
         <p:spPr>
           <a:xfrm>
-            <a:off x="1522413" y="1219201"/>
-            <a:ext cx="9134391" cy="4800600"/>
+            <a:off x="1522413" y="1066800"/>
+            <a:ext cx="9134391" cy="5257799"/>
           </a:xfrm>
         </p:spPr>
         <p:txBody>
@@ -4855,8 +4870,12 @@
               <a:t>ADO.NET applications can take advantage of the flexibility and broad acceptance of </a:t>
             </a:r>
             <a:r>
+              <a:rPr lang="en-US" b="1" dirty="0" smtClean="0"/>
+              <a:t>XML</a:t>
+            </a:r>
+            <a:r>
               <a:rPr lang="en-US" dirty="0" smtClean="0"/>
-              <a:t>XML.</a:t>
+              <a:t>.</a:t>
             </a:r>
           </a:p>
           <a:p>
@@ -4877,7 +4896,15 @@
             </a:r>
             <a:r>
               <a:rPr lang="en-US" dirty="0"/>
-              <a:t>architects can choose to divide the server's business-logic processing and user-interface processing onto separate tiers on separate machines. In effect, the application server tier is replaced with two tiers, alleviating the shortage of system resources.</a:t>
+              <a:t>architects can choose to </a:t>
+            </a:r>
+            <a:r>
+              <a:rPr lang="en-US" b="1" dirty="0"/>
+              <a:t>divide</a:t>
+            </a:r>
+            <a:r>
+              <a:rPr lang="en-US" dirty="0"/>
+              <a:t> the server's business-logic processing and user-interface processing onto separate tiers on separate machines. In effect, the application server tier is replaced with two tiers, alleviating the shortage of system resources.</a:t>
             </a:r>
             <a:endParaRPr lang="en-US" dirty="0" smtClean="0"/>
           </a:p>
@@ -4891,7 +4918,39 @@
             <a:pPr lvl="1"/>
             <a:r>
               <a:rPr lang="en-US" dirty="0"/>
-              <a:t>ADO.NET data components in Visual Studio encapsulate data access functionality in various ways that help you program more quickly and with fewer mistakes. ADO.NET data classes generated by the designer tools result in typed datasets. This in turn allows you to access data through typed programming</a:t>
+              <a:t>ADO.NET data components in Visual Studio </a:t>
+            </a:r>
+            <a:r>
+              <a:rPr lang="en-US" b="1" dirty="0"/>
+              <a:t>encapsulate</a:t>
+            </a:r>
+            <a:r>
+              <a:rPr lang="en-US" dirty="0"/>
+              <a:t> data access functionality in various ways that help you program more quickly and with fewer mistakes. </a:t>
+            </a:r>
+            <a:r>
+              <a:rPr lang="en-US" dirty="0" smtClean="0"/>
+              <a:t>ADO.NET’s </a:t>
+            </a:r>
+            <a:r>
+              <a:rPr lang="en-US" b="1" dirty="0" smtClean="0"/>
+              <a:t>robust </a:t>
+            </a:r>
+            <a:r>
+              <a:rPr lang="en-US" b="1" dirty="0"/>
+              <a:t>data classes</a:t>
+            </a:r>
+            <a:r>
+              <a:rPr lang="en-US" dirty="0"/>
+              <a:t> </a:t>
+            </a:r>
+            <a:r>
+              <a:rPr lang="en-US" dirty="0" smtClean="0"/>
+              <a:t>are generated </a:t>
+            </a:r>
+            <a:r>
+              <a:rPr lang="en-US" dirty="0"/>
+              <a:t>by the designer tools result in typed datasets. This in turn allows you to access data through typed programming</a:t>
             </a:r>
             <a:r>
               <a:rPr lang="en-US" dirty="0" smtClean="0"/>
@@ -4910,13 +4969,13 @@
   <p:clrMapOvr>
     <a:masterClrMapping/>
   </p:clrMapOvr>
-  <mc:AlternateContent xmlns:mc="http://schemas.openxmlformats.org/markup-compatibility/2006">
-    <mc:Choice xmlns:p14="http://schemas.microsoft.com/office/powerpoint/2010/main" Requires="p14">
+  <mc:AlternateContent xmlns:mc="http://schemas.openxmlformats.org/markup-compatibility/2006" xmlns:p14="http://schemas.microsoft.com/office/powerpoint/2010/main">
+    <mc:Choice Requires="p14">
       <p:transition spd="med" p14:dur="700">
         <p:fade/>
       </p:transition>
     </mc:Choice>
-    <mc:Fallback>
+    <mc:Fallback xmlns="">
       <p:transition spd="med">
         <p:fade/>
       </p:transition>
@@ -5007,7 +5066,15 @@
             </a:r>
             <a:r>
               <a:rPr lang="en-US" dirty="0"/>
-              <a:t>. When using COM marshalling to transmit a disconnected </a:t>
+              <a:t>. When using </a:t>
+            </a:r>
+            <a:r>
+              <a:rPr lang="en-US" dirty="0" smtClean="0"/>
+              <a:t>Component Object Model (COM) </a:t>
+            </a:r>
+            <a:r>
+              <a:rPr lang="en-US" dirty="0"/>
+              <a:t>marshalling to transmit a disconnected </a:t>
             </a:r>
             <a:r>
               <a:rPr lang="en-US" dirty="0" err="1"/>
@@ -5023,7 +5090,15 @@
             </a:r>
             <a:r>
               <a:rPr lang="en-US" dirty="0"/>
-              <a:t> to data types recognized by COM. In ADO.NET, such data-type conversion is not necessary. </a:t>
+              <a:t> to data types recognized by COM. In ADO.NET, such </a:t>
+            </a:r>
+            <a:r>
+              <a:rPr lang="en-US" b="1" dirty="0"/>
+              <a:t>data-type conversion is not necessary</a:t>
+            </a:r>
+            <a:r>
+              <a:rPr lang="en-US" dirty="0" smtClean="0"/>
+              <a:t>.</a:t>
             </a:r>
             <a:endParaRPr lang="en-US" dirty="0"/>
           </a:p>
@@ -5037,9 +5112,16 @@
             <a:pPr lvl="1"/>
             <a:r>
               <a:rPr lang="en-US" dirty="0"/>
-              <a:t>ADO.NET accommodates scalability by encouraging programmers to conserve limited resources. Because any ADO.NET application employs disconnected access to data, it does not retain database locks or active database connections for long durations.</a:t>
-            </a:r>
-            <a:endParaRPr lang="en-US" dirty="0"/>
+              <a:t>ADO.NET accommodates scalability by encouraging programmers to conserve limited resources. Because any ADO.NET application employs </a:t>
+            </a:r>
+            <a:r>
+              <a:rPr lang="en-US" b="1" dirty="0"/>
+              <a:t>disconnected access</a:t>
+            </a:r>
+            <a:r>
+              <a:rPr lang="en-US" dirty="0"/>
+              <a:t> to data, it does not retain database locks or active database connections for long durations.</a:t>
+            </a:r>
           </a:p>
           <a:p>
             <a:endParaRPr lang="en-US" dirty="0"/>
@@ -5056,13 +5138,13 @@
   <p:clrMapOvr>
     <a:masterClrMapping/>
   </p:clrMapOvr>
-  <mc:AlternateContent xmlns:mc="http://schemas.openxmlformats.org/markup-compatibility/2006">
-    <mc:Choice xmlns:p14="http://schemas.microsoft.com/office/powerpoint/2010/main" Requires="p14">
+  <mc:AlternateContent xmlns:mc="http://schemas.openxmlformats.org/markup-compatibility/2006" xmlns:p14="http://schemas.microsoft.com/office/powerpoint/2010/main">
+    <mc:Choice Requires="p14">
       <p:transition spd="med" p14:dur="700">
         <p:fade/>
       </p:transition>
     </mc:Choice>
-    <mc:Fallback>
+    <mc:Fallback xmlns="">
       <p:transition spd="med">
         <p:fade/>
       </p:transition>
@@ -5105,12 +5187,26 @@
           </a:xfrm>
         </p:spPr>
         <p:txBody>
-          <a:bodyPr/>
+          <a:bodyPr>
+            <a:normAutofit fontScale="90000"/>
+          </a:bodyPr>
           <a:lstStyle/>
           <a:p>
             <a:r>
               <a:rPr lang="en-US" dirty="0" smtClean="0"/>
-              <a:t>Reading Data From a SQL Server Database</a:t>
+              <a:t>Steps </a:t>
+            </a:r>
+            <a:r>
+              <a:rPr lang="en-US" dirty="0" smtClean="0"/>
+              <a:t>For </a:t>
+            </a:r>
+            <a:r>
+              <a:rPr lang="en-US" dirty="0" smtClean="0"/>
+              <a:t>Reading </a:t>
+            </a:r>
+            <a:r>
+              <a:rPr lang="en-US" dirty="0" smtClean="0"/>
+              <a:t>Data From a SQL Server Database</a:t>
             </a:r>
             <a:endParaRPr lang="en-US" dirty="0"/>
           </a:p>
@@ -5199,13 +5295,13 @@
   <p:clrMapOvr>
     <a:masterClrMapping/>
   </p:clrMapOvr>
-  <mc:AlternateContent xmlns:mc="http://schemas.openxmlformats.org/markup-compatibility/2006">
-    <mc:Choice xmlns:p14="http://schemas.microsoft.com/office/powerpoint/2010/main" Requires="p14">
+  <mc:AlternateContent xmlns:mc="http://schemas.openxmlformats.org/markup-compatibility/2006" xmlns:p14="http://schemas.microsoft.com/office/powerpoint/2010/main">
+    <mc:Choice Requires="p14">
       <p:transition spd="med" p14:dur="700">
         <p:fade/>
       </p:transition>
     </mc:Choice>
-    <mc:Fallback>
+    <mc:Fallback xmlns="">
       <p:transition spd="med">
         <p:fade/>
       </p:transition>
@@ -5269,7 +5365,12 @@
             <p:ph idx="1"/>
           </p:nvPr>
         </p:nvSpPr>
-        <p:spPr/>
+        <p:spPr>
+          <a:xfrm>
+            <a:off x="1522413" y="1676399"/>
+            <a:ext cx="9134391" cy="4495801"/>
+          </a:xfrm>
+        </p:spPr>
         <p:txBody>
           <a:bodyPr/>
           <a:lstStyle/>
@@ -5280,11 +5381,15 @@
             </a:r>
             <a:r>
               <a:rPr lang="en-US" dirty="0" err="1" smtClean="0"/>
-              <a:t>Northwinds</a:t>
+              <a:t>Northwind</a:t>
             </a:r>
             <a:r>
               <a:rPr lang="en-US" dirty="0" smtClean="0"/>
-              <a:t> database including Company Name, Order Date, Product Details (ID, Name, Unit Price), Product Quantity, </a:t>
+              <a:t> database </a:t>
+            </a:r>
+            <a:r>
+              <a:rPr lang="en-US" dirty="0" smtClean="0"/>
+              <a:t>including Company Name, Order Date, Product Details (ID, Name, Unit Price), Product Quantity, </a:t>
             </a:r>
             <a:r>
               <a:rPr lang="en-US" dirty="0" err="1" smtClean="0"/>
@@ -5292,7 +5397,17 @@
             </a:r>
             <a:r>
               <a:rPr lang="en-US" dirty="0" smtClean="0"/>
-              <a:t> (including discount) and Total Cost.</a:t>
+              <a:t> (including discount) and Total Cost</a:t>
+            </a:r>
+            <a:r>
+              <a:rPr lang="en-US" dirty="0" smtClean="0"/>
+              <a:t>.</a:t>
+            </a:r>
+          </a:p>
+          <a:p>
+            <a:r>
+              <a:rPr lang="en-US" dirty="0" smtClean="0"/>
+              <a:t>Secondary Goal: Create a Display All Orders List with Total Orders Count</a:t>
             </a:r>
             <a:endParaRPr lang="en-US" dirty="0"/>
           </a:p>
@@ -5310,11 +5425,15 @@
             </a:r>
             <a:r>
               <a:rPr lang="en-US" dirty="0" err="1" smtClean="0"/>
-              <a:t>Northwinds</a:t>
+              <a:t>Northwind</a:t>
             </a:r>
             <a:r>
               <a:rPr lang="en-US" dirty="0" smtClean="0"/>
-              <a:t> SQL Database to retrieve the data.</a:t>
+              <a:t> </a:t>
+            </a:r>
+            <a:r>
+              <a:rPr lang="en-US" dirty="0" smtClean="0"/>
+              <a:t>SQL Database to retrieve the data.</a:t>
             </a:r>
           </a:p>
           <a:p>
@@ -5354,13 +5473,13 @@
   <p:clrMapOvr>
     <a:masterClrMapping/>
   </p:clrMapOvr>
-  <mc:AlternateContent xmlns:mc="http://schemas.openxmlformats.org/markup-compatibility/2006">
-    <mc:Choice xmlns:p14="http://schemas.microsoft.com/office/powerpoint/2010/main" Requires="p14">
+  <mc:AlternateContent xmlns:mc="http://schemas.openxmlformats.org/markup-compatibility/2006" xmlns:p14="http://schemas.microsoft.com/office/powerpoint/2010/main">
+    <mc:Choice Requires="p14">
       <p:transition spd="med" p14:dur="700">
         <p:fade/>
       </p:transition>
     </mc:Choice>
-    <mc:Fallback>
+    <mc:Fallback xmlns="">
       <p:transition spd="med">
         <p:fade/>
       </p:transition>
@@ -5484,13 +5603,13 @@
   <p:clrMapOvr>
     <a:masterClrMapping/>
   </p:clrMapOvr>
-  <mc:AlternateContent xmlns:mc="http://schemas.openxmlformats.org/markup-compatibility/2006">
-    <mc:Choice xmlns:p14="http://schemas.microsoft.com/office/powerpoint/2010/main" Requires="p14">
+  <mc:AlternateContent xmlns:mc="http://schemas.openxmlformats.org/markup-compatibility/2006" xmlns:p14="http://schemas.microsoft.com/office/powerpoint/2010/main">
+    <mc:Choice Requires="p14">
       <p:transition spd="med" p14:dur="700">
         <p:fade/>
       </p:transition>
     </mc:Choice>
-    <mc:Fallback>
+    <mc:Fallback xmlns="">
       <p:transition spd="med">
         <p:fade/>
       </p:transition>
